--- a/Chapter5_TransNoiseDet/Chapter5Figs/Separation.pptx
+++ b/Chapter5_TransNoiseDet/Chapter5Figs/Separation.pptx
@@ -288,7 +288,8 @@
           <a:p>
             <a:fld id="{A50B0DC6-67CD-4720-A061-48F44A92DE76}" type="datetimeFigureOut">
               <a:rPr lang="en-US" smtClean="0"/>
-              <a:t>9/23/2013</a:t>
+              <a:pPr/>
+              <a:t>9/24/2013</a:t>
             </a:fld>
             <a:endParaRPr lang="en-US"/>
           </a:p>
@@ -330,6 +331,7 @@
           <a:p>
             <a:fld id="{55616DAE-5E99-4155-81A9-42171609EB43}" type="slidenum">
               <a:rPr lang="en-US" smtClean="0"/>
+              <a:pPr/>
               <a:t>‹#›</a:t>
             </a:fld>
             <a:endParaRPr lang="en-US"/>
@@ -453,6 +455,7 @@
           <a:p>
             <a:fld id="{A50B0DC6-67CD-4720-A061-48F44A92DE76}" type="datetimeFigureOut">
               <a:rPr lang="en-US" smtClean="0"/>
+              <a:pPr/>
               <a:t>9/24/2013</a:t>
             </a:fld>
             <a:endParaRPr lang="en-US"/>
@@ -495,6 +498,7 @@
           <a:p>
             <a:fld id="{55616DAE-5E99-4155-81A9-42171609EB43}" type="slidenum">
               <a:rPr lang="en-US" smtClean="0"/>
+              <a:pPr/>
               <a:t>‹#›</a:t>
             </a:fld>
             <a:endParaRPr lang="en-US"/>
@@ -628,6 +632,7 @@
           <a:p>
             <a:fld id="{A50B0DC6-67CD-4720-A061-48F44A92DE76}" type="datetimeFigureOut">
               <a:rPr lang="en-US" smtClean="0"/>
+              <a:pPr/>
               <a:t>9/24/2013</a:t>
             </a:fld>
             <a:endParaRPr lang="en-US"/>
@@ -670,6 +675,7 @@
           <a:p>
             <a:fld id="{55616DAE-5E99-4155-81A9-42171609EB43}" type="slidenum">
               <a:rPr lang="en-US" smtClean="0"/>
+              <a:pPr/>
               <a:t>‹#›</a:t>
             </a:fld>
             <a:endParaRPr lang="en-US"/>
@@ -793,6 +799,7 @@
           <a:p>
             <a:fld id="{A50B0DC6-67CD-4720-A061-48F44A92DE76}" type="datetimeFigureOut">
               <a:rPr lang="en-US" smtClean="0"/>
+              <a:pPr/>
               <a:t>9/24/2013</a:t>
             </a:fld>
             <a:endParaRPr lang="en-US"/>
@@ -835,6 +842,7 @@
           <a:p>
             <a:fld id="{55616DAE-5E99-4155-81A9-42171609EB43}" type="slidenum">
               <a:rPr lang="en-US" smtClean="0"/>
+              <a:pPr/>
               <a:t>‹#›</a:t>
             </a:fld>
             <a:endParaRPr lang="en-US"/>
@@ -1034,6 +1042,7 @@
           <a:p>
             <a:fld id="{A50B0DC6-67CD-4720-A061-48F44A92DE76}" type="datetimeFigureOut">
               <a:rPr lang="en-US" smtClean="0"/>
+              <a:pPr/>
               <a:t>9/24/2013</a:t>
             </a:fld>
             <a:endParaRPr lang="en-US"/>
@@ -1076,6 +1085,7 @@
           <a:p>
             <a:fld id="{55616DAE-5E99-4155-81A9-42171609EB43}" type="slidenum">
               <a:rPr lang="en-US" smtClean="0"/>
+              <a:pPr/>
               <a:t>‹#›</a:t>
             </a:fld>
             <a:endParaRPr lang="en-US"/>
@@ -1317,6 +1327,7 @@
           <a:p>
             <a:fld id="{A50B0DC6-67CD-4720-A061-48F44A92DE76}" type="datetimeFigureOut">
               <a:rPr lang="en-US" smtClean="0"/>
+              <a:pPr/>
               <a:t>9/24/2013</a:t>
             </a:fld>
             <a:endParaRPr lang="en-US"/>
@@ -1359,6 +1370,7 @@
           <a:p>
             <a:fld id="{55616DAE-5E99-4155-81A9-42171609EB43}" type="slidenum">
               <a:rPr lang="en-US" smtClean="0"/>
+              <a:pPr/>
               <a:t>‹#›</a:t>
             </a:fld>
             <a:endParaRPr lang="en-US"/>
@@ -1734,6 +1746,7 @@
           <a:p>
             <a:fld id="{A50B0DC6-67CD-4720-A061-48F44A92DE76}" type="datetimeFigureOut">
               <a:rPr lang="en-US" smtClean="0"/>
+              <a:pPr/>
               <a:t>9/24/2013</a:t>
             </a:fld>
             <a:endParaRPr lang="en-US"/>
@@ -1776,6 +1789,7 @@
           <a:p>
             <a:fld id="{55616DAE-5E99-4155-81A9-42171609EB43}" type="slidenum">
               <a:rPr lang="en-US" smtClean="0"/>
+              <a:pPr/>
               <a:t>‹#›</a:t>
             </a:fld>
             <a:endParaRPr lang="en-US"/>
@@ -1847,6 +1861,7 @@
           <a:p>
             <a:fld id="{A50B0DC6-67CD-4720-A061-48F44A92DE76}" type="datetimeFigureOut">
               <a:rPr lang="en-US" smtClean="0"/>
+              <a:pPr/>
               <a:t>9/24/2013</a:t>
             </a:fld>
             <a:endParaRPr lang="en-US"/>
@@ -1889,6 +1904,7 @@
           <a:p>
             <a:fld id="{55616DAE-5E99-4155-81A9-42171609EB43}" type="slidenum">
               <a:rPr lang="en-US" smtClean="0"/>
+              <a:pPr/>
               <a:t>‹#›</a:t>
             </a:fld>
             <a:endParaRPr lang="en-US"/>
@@ -1937,6 +1953,7 @@
           <a:p>
             <a:fld id="{A50B0DC6-67CD-4720-A061-48F44A92DE76}" type="datetimeFigureOut">
               <a:rPr lang="en-US" smtClean="0"/>
+              <a:pPr/>
               <a:t>9/24/2013</a:t>
             </a:fld>
             <a:endParaRPr lang="en-US"/>
@@ -1979,6 +1996,7 @@
           <a:p>
             <a:fld id="{55616DAE-5E99-4155-81A9-42171609EB43}" type="slidenum">
               <a:rPr lang="en-US" smtClean="0"/>
+              <a:pPr/>
               <a:t>‹#›</a:t>
             </a:fld>
             <a:endParaRPr lang="en-US"/>
@@ -2209,6 +2227,7 @@
           <a:p>
             <a:fld id="{A50B0DC6-67CD-4720-A061-48F44A92DE76}" type="datetimeFigureOut">
               <a:rPr lang="en-US" smtClean="0"/>
+              <a:pPr/>
               <a:t>9/24/2013</a:t>
             </a:fld>
             <a:endParaRPr lang="en-US"/>
@@ -2251,6 +2270,7 @@
           <a:p>
             <a:fld id="{55616DAE-5E99-4155-81A9-42171609EB43}" type="slidenum">
               <a:rPr lang="en-US" smtClean="0"/>
+              <a:pPr/>
               <a:t>‹#›</a:t>
             </a:fld>
             <a:endParaRPr lang="en-US"/>
@@ -2457,6 +2477,7 @@
           <a:p>
             <a:fld id="{A50B0DC6-67CD-4720-A061-48F44A92DE76}" type="datetimeFigureOut">
               <a:rPr lang="en-US" smtClean="0"/>
+              <a:pPr/>
               <a:t>9/24/2013</a:t>
             </a:fld>
             <a:endParaRPr lang="en-US"/>
@@ -2499,6 +2520,7 @@
           <a:p>
             <a:fld id="{55616DAE-5E99-4155-81A9-42171609EB43}" type="slidenum">
               <a:rPr lang="en-US" smtClean="0"/>
+              <a:pPr/>
               <a:t>‹#›</a:t>
             </a:fld>
             <a:endParaRPr lang="en-US"/>
@@ -2665,7 +2687,8 @@
           <a:p>
             <a:fld id="{A50B0DC6-67CD-4720-A061-48F44A92DE76}" type="datetimeFigureOut">
               <a:rPr lang="en-US" smtClean="0"/>
-              <a:t>9/23/2013</a:t>
+              <a:pPr/>
+              <a:t>9/24/2013</a:t>
             </a:fld>
             <a:endParaRPr lang="en-US"/>
           </a:p>
@@ -2743,6 +2766,7 @@
           <a:p>
             <a:fld id="{55616DAE-5E99-4155-81A9-42171609EB43}" type="slidenum">
               <a:rPr lang="en-US" smtClean="0"/>
+              <a:pPr/>
               <a:t>‹#›</a:t>
             </a:fld>
             <a:endParaRPr lang="en-US"/>
@@ -3331,52 +3355,6 @@
           <a:xfrm>
             <a:off x="1339075" y="1531391"/>
             <a:ext cx="792087" cy="576064"/>
-          </a:xfrm>
-          <a:prstGeom prst="rect">
-            <a:avLst/>
-          </a:prstGeom>
-          <a:noFill/>
-          <a:ln>
-            <a:solidFill>
-              <a:schemeClr val="tx1"/>
-            </a:solidFill>
-          </a:ln>
-        </p:spPr>
-        <p:style>
-          <a:lnRef idx="2">
-            <a:schemeClr val="accent1">
-              <a:shade val="50000"/>
-            </a:schemeClr>
-          </a:lnRef>
-          <a:fillRef idx="1">
-            <a:schemeClr val="accent1"/>
-          </a:fillRef>
-          <a:effectRef idx="0">
-            <a:schemeClr val="accent1"/>
-          </a:effectRef>
-          <a:fontRef idx="minor">
-            <a:schemeClr val="lt1"/>
-          </a:fontRef>
-        </p:style>
-        <p:txBody>
-          <a:bodyPr rtlCol="0" anchor="ctr"/>
-          <a:lstStyle/>
-          <a:p>
-            <a:pPr algn="ctr"/>
-            <a:endParaRPr lang="en-US"/>
-          </a:p>
-        </p:txBody>
-      </p:sp>
-      <p:sp>
-        <p:nvSpPr>
-          <p:cNvPr id="29" name="Rectangle 28"/>
-          <p:cNvSpPr/>
-          <p:nvPr/>
-        </p:nvSpPr>
-        <p:spPr>
-          <a:xfrm>
-            <a:off x="2246603" y="2420888"/>
-            <a:ext cx="1368152" cy="576064"/>
           </a:xfrm>
           <a:prstGeom prst="rect">
             <a:avLst/>
@@ -4007,14 +3985,14 @@
           <p:cNvPr id="98" name="Shape 12"/>
           <p:cNvCxnSpPr>
             <a:stCxn id="117" idx="2"/>
-            <a:endCxn id="29" idx="3"/>
+            <a:endCxn id="61" idx="3"/>
           </p:cNvCxnSpPr>
           <p:nvPr/>
         </p:nvCxnSpPr>
         <p:spPr>
           <a:xfrm rot="5400000">
-            <a:off x="3598880" y="2123331"/>
-            <a:ext cx="601464" cy="569714"/>
+            <a:off x="3452734" y="1977185"/>
+            <a:ext cx="601464" cy="862006"/>
           </a:xfrm>
           <a:prstGeom prst="bentConnector2">
             <a:avLst/>
@@ -4922,7 +4900,6 @@
           <p:cNvPr id="138" name="Straight Arrow Connector 137"/>
           <p:cNvCxnSpPr>
             <a:stCxn id="121" idx="2"/>
-            <a:endCxn id="29" idx="0"/>
           </p:cNvCxnSpPr>
           <p:nvPr/>
         </p:nvCxnSpPr>
@@ -5330,6 +5307,52 @@
           </a:fontRef>
         </p:style>
       </p:cxnSp>
+      <p:sp>
+        <p:nvSpPr>
+          <p:cNvPr id="61" name="Rectangle 60"/>
+          <p:cNvSpPr/>
+          <p:nvPr/>
+        </p:nvSpPr>
+        <p:spPr>
+          <a:xfrm>
+            <a:off x="2530376" y="2420888"/>
+            <a:ext cx="792087" cy="576064"/>
+          </a:xfrm>
+          <a:prstGeom prst="rect">
+            <a:avLst/>
+          </a:prstGeom>
+          <a:noFill/>
+          <a:ln>
+            <a:solidFill>
+              <a:schemeClr val="tx1"/>
+            </a:solidFill>
+          </a:ln>
+        </p:spPr>
+        <p:style>
+          <a:lnRef idx="2">
+            <a:schemeClr val="accent1">
+              <a:shade val="50000"/>
+            </a:schemeClr>
+          </a:lnRef>
+          <a:fillRef idx="1">
+            <a:schemeClr val="accent1"/>
+          </a:fillRef>
+          <a:effectRef idx="0">
+            <a:schemeClr val="accent1"/>
+          </a:effectRef>
+          <a:fontRef idx="minor">
+            <a:schemeClr val="lt1"/>
+          </a:fontRef>
+        </p:style>
+        <p:txBody>
+          <a:bodyPr rtlCol="0" anchor="ctr"/>
+          <a:lstStyle/>
+          <a:p>
+            <a:pPr algn="ctr"/>
+            <a:endParaRPr lang="en-US"/>
+          </a:p>
+        </p:txBody>
+      </p:sp>
     </p:spTree>
   </p:cSld>
   <p:clrMapOvr>
